--- a/Poster/Presentation.pptx
+++ b/Poster/Presentation.pptx
@@ -4579,7 +4579,7 @@
             </a:pPr>
             <a:r>
               <a:rPr lang="en-US" altLang="en-US" sz="4400" b="1" dirty="0"/>
-              <a:t>My goal is to detection ransomware by using machine learning.</a:t>
+              <a:t>My goal is detection ransomware by using machine learning.</a:t>
             </a:r>
             <a:endParaRPr lang="he-IL" altLang="en-US" sz="4400" b="1" dirty="0"/>
           </a:p>
@@ -5374,31 +5374,24 @@
           <a:bodyPr/>
           <a:lstStyle/>
           <a:p>
-            <a:pPr marL="742950" indent="-742950" algn="l" rtl="0">
+            <a:pPr marL="342900" indent="-342900" algn="l" rtl="0">
               <a:buAutoNum type="arabicPeriod"/>
             </a:pPr>
             <a:r>
               <a:rPr lang="en-GB" sz="4400" dirty="0"/>
-              <a:t>Detection by the hardware</a:t>
-            </a:r>
-          </a:p>
-          <a:p>
-            <a:pPr marL="742950" indent="-742950" algn="l" rtl="0">
+              <a:t>Detection by the hardware.</a:t>
+            </a:r>
+            <a:endParaRPr lang="he-IL" sz="4400" dirty="0"/>
+          </a:p>
+          <a:p>
+            <a:pPr marL="342900" indent="-342900" algn="l" rtl="0">
               <a:buAutoNum type="arabicPeriod"/>
             </a:pPr>
             <a:r>
               <a:rPr lang="en-GB" sz="4400" dirty="0"/>
-              <a:t>Detection by the dedicated software</a:t>
-            </a:r>
-          </a:p>
-          <a:p>
-            <a:pPr marL="742950" indent="-742950" algn="l" rtl="0">
-              <a:buAutoNum type="arabicPeriod"/>
-            </a:pPr>
-            <a:r>
-              <a:rPr lang="en-GB" sz="4400" dirty="0"/>
-              <a:t>Detection by the internet traffic </a:t>
-            </a:r>
+              <a:t>Detection by electricity use.</a:t>
+            </a:r>
+            <a:endParaRPr lang="he-IL" sz="4400" dirty="0"/>
           </a:p>
           <a:p>
             <a:pPr marL="0" indent="0" algn="l" rtl="0">
@@ -5911,121 +5904,6 @@
                       </p:childTnLst>
                     </p:cTn>
                   </p:par>
-                  <p:par>
-                    <p:cTn id="24" fill="hold">
-                      <p:stCondLst>
-                        <p:cond delay="indefinite"/>
-                      </p:stCondLst>
-                      <p:childTnLst>
-                        <p:par>
-                          <p:cTn id="25" fill="hold">
-                            <p:stCondLst>
-                              <p:cond delay="0"/>
-                            </p:stCondLst>
-                            <p:childTnLst>
-                              <p:par>
-                                <p:cTn id="26" presetID="42" presetClass="entr" presetSubtype="0" fill="hold" grpId="0" nodeType="clickEffect">
-                                  <p:stCondLst>
-                                    <p:cond delay="0"/>
-                                  </p:stCondLst>
-                                  <p:childTnLst>
-                                    <p:set>
-                                      <p:cBhvr>
-                                        <p:cTn id="27" dur="1" fill="hold">
-                                          <p:stCondLst>
-                                            <p:cond delay="0"/>
-                                          </p:stCondLst>
-                                        </p:cTn>
-                                        <p:tgtEl>
-                                          <p:spTgt spid="5">
-                                            <p:txEl>
-                                              <p:pRg st="3" end="3"/>
-                                            </p:txEl>
-                                          </p:spTgt>
-                                        </p:tgtEl>
-                                        <p:attrNameLst>
-                                          <p:attrName>style.visibility</p:attrName>
-                                        </p:attrNameLst>
-                                      </p:cBhvr>
-                                      <p:to>
-                                        <p:strVal val="visible"/>
-                                      </p:to>
-                                    </p:set>
-                                    <p:animEffect transition="in" filter="fade">
-                                      <p:cBhvr>
-                                        <p:cTn id="28" dur="1000"/>
-                                        <p:tgtEl>
-                                          <p:spTgt spid="5">
-                                            <p:txEl>
-                                              <p:pRg st="3" end="3"/>
-                                            </p:txEl>
-                                          </p:spTgt>
-                                        </p:tgtEl>
-                                      </p:cBhvr>
-                                    </p:animEffect>
-                                    <p:anim calcmode="lin" valueType="num">
-                                      <p:cBhvr>
-                                        <p:cTn id="29" dur="1000" fill="hold"/>
-                                        <p:tgtEl>
-                                          <p:spTgt spid="5">
-                                            <p:txEl>
-                                              <p:pRg st="3" end="3"/>
-                                            </p:txEl>
-                                          </p:spTgt>
-                                        </p:tgtEl>
-                                        <p:attrNameLst>
-                                          <p:attrName>ppt_x</p:attrName>
-                                        </p:attrNameLst>
-                                      </p:cBhvr>
-                                      <p:tavLst>
-                                        <p:tav tm="0">
-                                          <p:val>
-                                            <p:strVal val="#ppt_x"/>
-                                          </p:val>
-                                        </p:tav>
-                                        <p:tav tm="100000">
-                                          <p:val>
-                                            <p:strVal val="#ppt_x"/>
-                                          </p:val>
-                                        </p:tav>
-                                      </p:tavLst>
-                                    </p:anim>
-                                    <p:anim calcmode="lin" valueType="num">
-                                      <p:cBhvr>
-                                        <p:cTn id="30" dur="1000" fill="hold"/>
-                                        <p:tgtEl>
-                                          <p:spTgt spid="5">
-                                            <p:txEl>
-                                              <p:pRg st="3" end="3"/>
-                                            </p:txEl>
-                                          </p:spTgt>
-                                        </p:tgtEl>
-                                        <p:attrNameLst>
-                                          <p:attrName>ppt_y</p:attrName>
-                                        </p:attrNameLst>
-                                      </p:cBhvr>
-                                      <p:tavLst>
-                                        <p:tav tm="0">
-                                          <p:val>
-                                            <p:strVal val="#ppt_y+.1"/>
-                                          </p:val>
-                                        </p:tav>
-                                        <p:tav tm="100000">
-                                          <p:val>
-                                            <p:strVal val="#ppt_y"/>
-                                          </p:val>
-                                        </p:tav>
-                                      </p:tavLst>
-                                    </p:anim>
-                                  </p:childTnLst>
-                                </p:cTn>
-                              </p:par>
-                            </p:childTnLst>
-                          </p:cTn>
-                        </p:par>
-                      </p:childTnLst>
-                    </p:cTn>
-                  </p:par>
                 </p:childTnLst>
               </p:cTn>
               <p:prevCondLst>
@@ -6438,7 +6316,7 @@
                   </a:outerShdw>
                 </a:effectLst>
               </a:rPr>
-              <a:t>Goals for further</a:t>
+              <a:t>goals for the future</a:t>
             </a:r>
             <a:endParaRPr lang="he-IL" b="1" dirty="0">
               <a:solidFill>

--- a/Poster/Presentation.pptx
+++ b/Poster/Presentation.pptx
@@ -232,7 +232,7 @@
           <a:p>
             <a:fld id="{649BBD9C-D497-449B-8A45-CEFABABC0F14}" type="datetimeFigureOut">
               <a:rPr lang="he-IL" smtClean="0"/>
-              <a:t>כ"ט/סיון/תש"ף</a:t>
+              <a:t>כ"ב/אלול/תשפ"א</a:t>
             </a:fld>
             <a:endParaRPr lang="he-IL"/>
           </a:p>
@@ -719,7 +719,7 @@
             </a:pPr>
             <a:fld id="{11F60F8F-5620-4AC4-968B-8E708B0EB044}" type="datetime8">
               <a:rPr lang="he-IL" smtClean="0"/>
-              <a:t>21 יוני 20</a:t>
+              <a:t>30 אוגוסט 21</a:t>
             </a:fld>
             <a:endParaRPr lang="he-IL"/>
           </a:p>
@@ -914,7 +914,7 @@
             </a:pPr>
             <a:fld id="{BC5AA7AD-4D67-4DA3-8B76-37A3860C5796}" type="datetime8">
               <a:rPr lang="he-IL" smtClean="0"/>
-              <a:t>21 יוני 20</a:t>
+              <a:t>30 אוגוסט 21</a:t>
             </a:fld>
             <a:endParaRPr lang="he-IL"/>
           </a:p>
@@ -1119,7 +1119,7 @@
             </a:pPr>
             <a:fld id="{8065C4D4-8AC6-4D06-87EA-123022CBEBAD}" type="datetime8">
               <a:rPr lang="he-IL" smtClean="0"/>
-              <a:t>21 יוני 20</a:t>
+              <a:t>30 אוגוסט 21</a:t>
             </a:fld>
             <a:endParaRPr lang="he-IL"/>
           </a:p>
@@ -1314,7 +1314,7 @@
             </a:pPr>
             <a:fld id="{41103980-B822-4F57-839F-0A2504DEFA24}" type="datetime8">
               <a:rPr lang="he-IL" smtClean="0"/>
-              <a:t>21 יוני 20</a:t>
+              <a:t>30 אוגוסט 21</a:t>
             </a:fld>
             <a:endParaRPr lang="he-IL"/>
           </a:p>
@@ -1586,7 +1586,7 @@
             </a:pPr>
             <a:fld id="{728E8B2A-623B-48D9-8A9C-570D386DBBB5}" type="datetime8">
               <a:rPr lang="he-IL" smtClean="0"/>
-              <a:t>21 יוני 20</a:t>
+              <a:t>30 אוגוסט 21</a:t>
             </a:fld>
             <a:endParaRPr lang="he-IL"/>
           </a:p>
@@ -1842,7 +1842,7 @@
             </a:pPr>
             <a:fld id="{87E72010-2B49-4FBA-A71F-1C903234F8ED}" type="datetime8">
               <a:rPr lang="he-IL" smtClean="0"/>
-              <a:t>21 יוני 20</a:t>
+              <a:t>30 אוגוסט 21</a:t>
             </a:fld>
             <a:endParaRPr lang="he-IL"/>
           </a:p>
@@ -2233,7 +2233,7 @@
             </a:pPr>
             <a:fld id="{ADEFFD37-6D3A-44CD-BAB7-31EB6031CE41}" type="datetime8">
               <a:rPr lang="he-IL" smtClean="0"/>
-              <a:t>21 יוני 20</a:t>
+              <a:t>30 אוגוסט 21</a:t>
             </a:fld>
             <a:endParaRPr lang="he-IL"/>
           </a:p>
@@ -2377,7 +2377,7 @@
             </a:pPr>
             <a:fld id="{46D0C1C9-37E6-49FD-B084-18925D31F7E5}" type="datetime8">
               <a:rPr lang="he-IL" smtClean="0"/>
-              <a:t>21 יוני 20</a:t>
+              <a:t>30 אוגוסט 21</a:t>
             </a:fld>
             <a:endParaRPr lang="he-IL"/>
           </a:p>
@@ -2499,7 +2499,7 @@
             </a:pPr>
             <a:fld id="{3D54F978-44C7-44E2-BD13-5AE6873239E3}" type="datetime8">
               <a:rPr lang="he-IL" smtClean="0"/>
-              <a:t>21 יוני 20</a:t>
+              <a:t>30 אוגוסט 21</a:t>
             </a:fld>
             <a:endParaRPr lang="he-IL"/>
           </a:p>
@@ -2801,7 +2801,7 @@
             </a:pPr>
             <a:fld id="{BCD9B4E6-04A8-47CC-BF34-E1B559BE5A34}" type="datetime8">
               <a:rPr lang="he-IL" smtClean="0"/>
-              <a:t>21 יוני 20</a:t>
+              <a:t>30 אוגוסט 21</a:t>
             </a:fld>
             <a:endParaRPr lang="he-IL"/>
           </a:p>
@@ -3086,7 +3086,7 @@
             </a:pPr>
             <a:fld id="{2D87A75D-ABFD-4273-A5DF-0717472152BE}" type="datetime8">
               <a:rPr lang="he-IL" smtClean="0"/>
-              <a:t>21 יוני 20</a:t>
+              <a:t>30 אוגוסט 21</a:t>
             </a:fld>
             <a:endParaRPr lang="he-IL"/>
           </a:p>
@@ -3382,7 +3382,7 @@
             </a:pPr>
             <a:fld id="{28EB3CBB-E95C-46A3-8650-BE56A767054C}" type="datetime8">
               <a:rPr lang="he-IL" smtClean="0"/>
-              <a:t>21 יוני 20</a:t>
+              <a:t>30 אוגוסט 21</a:t>
             </a:fld>
             <a:endParaRPr lang="he-IL"/>
           </a:p>
@@ -4021,20 +4021,12 @@
               <a:defRPr/>
             </a:pPr>
             <a:r>
-              <a:rPr lang="en-US" altLang="en-US" sz="2800" b="1" dirty="0">
+              <a:rPr lang="en-US" altLang="en-US" sz="2800" b="1">
                 <a:solidFill>
                   <a:prstClr val="black"/>
                 </a:solidFill>
               </a:rPr>
-              <a:t>Orel Rahum </a:t>
-            </a:r>
-            <a:r>
-              <a:rPr lang="en-GB" altLang="en-US" sz="2800" b="1" dirty="0">
-                <a:solidFill>
-                  <a:prstClr val="black"/>
-                </a:solidFill>
-              </a:rPr>
-              <a:t>316423615</a:t>
+              <a:t>Orel Rahum</a:t>
             </a:r>
             <a:br>
               <a:rPr lang="en-US" altLang="he-IL" sz="2000" dirty="0">
